--- a/lectures/12_SML_predicting-data-streams/12_1_Classification.pptx
+++ b/lectures/12_SML_predicting-data-streams/12_1_Classification.pptx
@@ -231,7 +231,7 @@
           <a:p>
             <a:fld id="{CC7A41CC-C61C-2F43-A643-7ED1F9C31B07}" type="datetimeFigureOut">
               <a:rPr lang="it-IT" smtClean="0"/>
-              <a:t>02/11/23</a:t>
+              <a:t>21/11/23</a:t>
             </a:fld>
             <a:endParaRPr lang="it-IT" dirty="0"/>
           </a:p>
@@ -10233,7 +10233,19 @@
               <a:rPr lang="en-GB" sz="2400" spc="-5" dirty="0">
                 <a:cs typeface="Calibri"/>
               </a:rPr>
-              <a:t>: Use Hoeffding bound to guarantee that the  best attribute is really the best:</a:t>
+              <a:t>: Use Hoeffding bound to guarantee </a:t>
+            </a:r>
+            <a:r>
+              <a:rPr lang="en-GB" sz="2400" spc="-5">
+                <a:cs typeface="Calibri"/>
+              </a:rPr>
+              <a:t>that the </a:t>
+            </a:r>
+            <a:r>
+              <a:rPr lang="en-GB" sz="2400" spc="-5" dirty="0">
+                <a:cs typeface="Calibri"/>
+              </a:rPr>
+              <a:t>best attribute is really the best:</a:t>
             </a:r>
           </a:p>
           <a:p>
@@ -10382,8 +10394,8 @@
           </a:p>
         </p:txBody>
       </p:sp>
-      <mc:AlternateContent xmlns:mc="http://schemas.openxmlformats.org/markup-compatibility/2006">
-        <mc:Choice xmlns:a14="http://schemas.microsoft.com/office/drawing/2010/main" Requires="a14">
+      <mc:AlternateContent xmlns:mc="http://schemas.openxmlformats.org/markup-compatibility/2006" xmlns:a14="http://schemas.microsoft.com/office/drawing/2010/main">
+        <mc:Choice Requires="a14">
           <p:sp>
             <p:nvSpPr>
               <p:cNvPr id="7" name="CasellaDiTesto 6">
@@ -10681,7 +10693,7 @@
             </p:txBody>
           </p:sp>
         </mc:Choice>
-        <mc:Fallback>
+        <mc:Fallback xmlns="">
           <p:sp>
             <p:nvSpPr>
               <p:cNvPr id="7" name="CasellaDiTesto 6">

--- a/lectures/12_SML_predicting-data-streams/12_1_Classification.pptx
+++ b/lectures/12_SML_predicting-data-streams/12_1_Classification.pptx
@@ -231,7 +231,7 @@
           <a:p>
             <a:fld id="{CC7A41CC-C61C-2F43-A643-7ED1F9C31B07}" type="datetimeFigureOut">
               <a:rPr lang="it-IT" smtClean="0"/>
-              <a:t>21/11/23</a:t>
+              <a:t>29/11/23</a:t>
             </a:fld>
             <a:endParaRPr lang="it-IT" dirty="0"/>
           </a:p>
@@ -7137,7 +7137,7 @@
               <a:rPr lang="en-GB" sz="2400" spc="-5" dirty="0">
                 <a:cs typeface="Calibri"/>
               </a:rPr>
-              <a:t>Xi = most discriminative attribute using the  Gini index or Information Gain (H)</a:t>
+              <a:t>Xi = most discriminative attribute using the Gini index or Information Gain (H)</a:t>
             </a:r>
           </a:p>
           <a:p>
@@ -7709,7 +7709,7 @@
               <a:rPr lang="en-GB" sz="2600" spc="-5" dirty="0">
                 <a:cs typeface="Calibri"/>
               </a:rPr>
-              <a:t>The final tree must be identical (with high probability) to a  tree built using a batch decision tree algorithm</a:t>
+              <a:t>The final tree must be identical (with high probability) to a tree built using a batch decision tree algorithm</a:t>
             </a:r>
           </a:p>
           <a:p>
@@ -8443,7 +8443,7 @@
               <a:rPr lang="en-GB" sz="2400" spc="-5" dirty="0">
                 <a:cs typeface="Calibri"/>
               </a:rPr>
-              <a:t>A small sample can often be enough to choose the optimal  splitting attribute</a:t>
+              <a:t>A small sample can often be enough to choose the optimal splitting attribute</a:t>
             </a:r>
           </a:p>
           <a:p>
@@ -14711,7 +14711,7 @@
               <a:rPr lang="en-GB" sz="2400" spc="-5" dirty="0">
                 <a:cs typeface="Calibri"/>
               </a:rPr>
-              <a:t>Train AutoML only the first portion of the data stream</a:t>
+              <a:t>Train AutoML only on the first portion of the data stream</a:t>
             </a:r>
           </a:p>
           <a:p>
@@ -16402,7 +16402,7 @@
               <a:rPr lang="en-GB" sz="2400" spc="-5" dirty="0">
                 <a:cs typeface="Calibri"/>
               </a:rPr>
-              <a:t>Based on Bayes Theorem, where 𝑐 is the class and 𝑑 is the instance to  classify:</a:t>
+              <a:t>Based on Bayes Theorem, where 𝑐 is the class and 𝑑 is the instance to classify:</a:t>
             </a:r>
           </a:p>
         </p:txBody>
